--- a/figures/pipeline.pptx
+++ b/figures/pipeline.pptx
@@ -104,6 +104,11 @@
       </a:defRPr>
     </a:lvl9pPr>
   </p:defaultTextStyle>
+  <p:extLst>
+    <p:ext uri="{EFAFB233-063F-42B5-8137-9DF3F51BA10A}">
+      <p15:sldGuideLst xmlns:p15="http://schemas.microsoft.com/office/powerpoint/2012/main"/>
+    </p:ext>
+  </p:extLst>
 </p:presentation>
 </file>
 
@@ -256,7 +261,7 @@
           <a:p>
             <a:fld id="{A58880D0-7615-CC43-90E0-CEA9FA60AA1F}" type="datetimeFigureOut">
               <a:rPr lang="en-US" smtClean="0"/>
-              <a:t>6/16/25</a:t>
+              <a:t>7/9/25</a:t>
             </a:fld>
             <a:endParaRPr lang="en-US"/>
           </a:p>
@@ -456,7 +461,7 @@
           <a:p>
             <a:fld id="{A58880D0-7615-CC43-90E0-CEA9FA60AA1F}" type="datetimeFigureOut">
               <a:rPr lang="en-US" smtClean="0"/>
-              <a:t>6/16/25</a:t>
+              <a:t>7/9/25</a:t>
             </a:fld>
             <a:endParaRPr lang="en-US"/>
           </a:p>
@@ -666,7 +671,7 @@
           <a:p>
             <a:fld id="{A58880D0-7615-CC43-90E0-CEA9FA60AA1F}" type="datetimeFigureOut">
               <a:rPr lang="en-US" smtClean="0"/>
-              <a:t>6/16/25</a:t>
+              <a:t>7/9/25</a:t>
             </a:fld>
             <a:endParaRPr lang="en-US"/>
           </a:p>
@@ -866,7 +871,7 @@
           <a:p>
             <a:fld id="{A58880D0-7615-CC43-90E0-CEA9FA60AA1F}" type="datetimeFigureOut">
               <a:rPr lang="en-US" smtClean="0"/>
-              <a:t>6/16/25</a:t>
+              <a:t>7/9/25</a:t>
             </a:fld>
             <a:endParaRPr lang="en-US"/>
           </a:p>
@@ -1142,7 +1147,7 @@
           <a:p>
             <a:fld id="{A58880D0-7615-CC43-90E0-CEA9FA60AA1F}" type="datetimeFigureOut">
               <a:rPr lang="en-US" smtClean="0"/>
-              <a:t>6/16/25</a:t>
+              <a:t>7/9/25</a:t>
             </a:fld>
             <a:endParaRPr lang="en-US"/>
           </a:p>
@@ -1410,7 +1415,7 @@
           <a:p>
             <a:fld id="{A58880D0-7615-CC43-90E0-CEA9FA60AA1F}" type="datetimeFigureOut">
               <a:rPr lang="en-US" smtClean="0"/>
-              <a:t>6/16/25</a:t>
+              <a:t>7/9/25</a:t>
             </a:fld>
             <a:endParaRPr lang="en-US"/>
           </a:p>
@@ -1825,7 +1830,7 @@
           <a:p>
             <a:fld id="{A58880D0-7615-CC43-90E0-CEA9FA60AA1F}" type="datetimeFigureOut">
               <a:rPr lang="en-US" smtClean="0"/>
-              <a:t>6/16/25</a:t>
+              <a:t>7/9/25</a:t>
             </a:fld>
             <a:endParaRPr lang="en-US"/>
           </a:p>
@@ -1967,7 +1972,7 @@
           <a:p>
             <a:fld id="{A58880D0-7615-CC43-90E0-CEA9FA60AA1F}" type="datetimeFigureOut">
               <a:rPr lang="en-US" smtClean="0"/>
-              <a:t>6/16/25</a:t>
+              <a:t>7/9/25</a:t>
             </a:fld>
             <a:endParaRPr lang="en-US"/>
           </a:p>
@@ -2080,7 +2085,7 @@
           <a:p>
             <a:fld id="{A58880D0-7615-CC43-90E0-CEA9FA60AA1F}" type="datetimeFigureOut">
               <a:rPr lang="en-US" smtClean="0"/>
-              <a:t>6/16/25</a:t>
+              <a:t>7/9/25</a:t>
             </a:fld>
             <a:endParaRPr lang="en-US"/>
           </a:p>
@@ -2393,7 +2398,7 @@
           <a:p>
             <a:fld id="{A58880D0-7615-CC43-90E0-CEA9FA60AA1F}" type="datetimeFigureOut">
               <a:rPr lang="en-US" smtClean="0"/>
-              <a:t>6/16/25</a:t>
+              <a:t>7/9/25</a:t>
             </a:fld>
             <a:endParaRPr lang="en-US"/>
           </a:p>
@@ -2682,7 +2687,7 @@
           <a:p>
             <a:fld id="{A58880D0-7615-CC43-90E0-CEA9FA60AA1F}" type="datetimeFigureOut">
               <a:rPr lang="en-US" smtClean="0"/>
-              <a:t>6/16/25</a:t>
+              <a:t>7/9/25</a:t>
             </a:fld>
             <a:endParaRPr lang="en-US"/>
           </a:p>
@@ -2925,7 +2930,7 @@
           <a:p>
             <a:fld id="{A58880D0-7615-CC43-90E0-CEA9FA60AA1F}" type="datetimeFigureOut">
               <a:rPr lang="en-US" smtClean="0"/>
-              <a:t>6/16/25</a:t>
+              <a:t>7/9/25</a:t>
             </a:fld>
             <a:endParaRPr lang="en-US"/>
           </a:p>
@@ -3344,10 +3349,10 @@
       </p:grpSpPr>
       <p:sp>
         <p:nvSpPr>
-          <p:cNvPr id="4" name="Can 3">
-            <a:extLst>
-              <a:ext uri="{FF2B5EF4-FFF2-40B4-BE49-F238E27FC236}">
-                <a16:creationId xmlns:a16="http://schemas.microsoft.com/office/drawing/2014/main" id="{B511CEBE-EFEE-DB6A-6C01-5CCBE6B03AFA}"/>
+          <p:cNvPr id="107" name="Rounded Rectangle 106">
+            <a:extLst>
+              <a:ext uri="{FF2B5EF4-FFF2-40B4-BE49-F238E27FC236}">
+                <a16:creationId xmlns:a16="http://schemas.microsoft.com/office/drawing/2014/main" id="{9626422D-474C-D46A-0EEF-17A5E00F51EA}"/>
               </a:ext>
             </a:extLst>
           </p:cNvPr>
@@ -3356,7 +3361,190 @@
         </p:nvSpPr>
         <p:spPr>
           <a:xfrm>
-            <a:off x="2840682" y="1407037"/>
+            <a:off x="2443927" y="888280"/>
+            <a:ext cx="7003562" cy="2017923"/>
+          </a:xfrm>
+          <a:prstGeom prst="roundRect">
+            <a:avLst/>
+          </a:prstGeom>
+          <a:ln>
+            <a:solidFill>
+              <a:schemeClr val="tx1"/>
+            </a:solidFill>
+          </a:ln>
+        </p:spPr>
+        <p:style>
+          <a:lnRef idx="2">
+            <a:schemeClr val="accent6"/>
+          </a:lnRef>
+          <a:fillRef idx="1">
+            <a:schemeClr val="lt1"/>
+          </a:fillRef>
+          <a:effectRef idx="0">
+            <a:schemeClr val="accent6"/>
+          </a:effectRef>
+          <a:fontRef idx="minor">
+            <a:schemeClr val="dk1"/>
+          </a:fontRef>
+        </p:style>
+        <p:txBody>
+          <a:bodyPr rtlCol="0" anchor="ctr"/>
+          <a:lstStyle/>
+          <a:p>
+            <a:pPr algn="ctr"/>
+            <a:endParaRPr lang="en-US">
+              <a:ln w="0"/>
+              <a:solidFill>
+                <a:schemeClr val="tx1"/>
+              </a:solidFill>
+              <a:effectLst>
+                <a:outerShdw blurRad="38100" dist="19050" dir="2700000" algn="tl" rotWithShape="0">
+                  <a:schemeClr val="dk1">
+                    <a:alpha val="40000"/>
+                  </a:schemeClr>
+                </a:outerShdw>
+              </a:effectLst>
+            </a:endParaRPr>
+          </a:p>
+        </p:txBody>
+      </p:sp>
+      <p:sp>
+        <p:nvSpPr>
+          <p:cNvPr id="81" name="Rounded Rectangle 80">
+            <a:extLst>
+              <a:ext uri="{FF2B5EF4-FFF2-40B4-BE49-F238E27FC236}">
+                <a16:creationId xmlns:a16="http://schemas.microsoft.com/office/drawing/2014/main" id="{50B44206-F636-AC30-A4D5-F0AE2DBA94D9}"/>
+              </a:ext>
+            </a:extLst>
+          </p:cNvPr>
+          <p:cNvSpPr/>
+          <p:nvPr/>
+        </p:nvSpPr>
+        <p:spPr>
+          <a:xfrm>
+            <a:off x="2363995" y="3217722"/>
+            <a:ext cx="7425957" cy="2590819"/>
+          </a:xfrm>
+          <a:prstGeom prst="roundRect">
+            <a:avLst/>
+          </a:prstGeom>
+          <a:ln>
+            <a:solidFill>
+              <a:schemeClr val="tx1"/>
+            </a:solidFill>
+          </a:ln>
+        </p:spPr>
+        <p:style>
+          <a:lnRef idx="2">
+            <a:schemeClr val="accent6"/>
+          </a:lnRef>
+          <a:fillRef idx="1">
+            <a:schemeClr val="lt1"/>
+          </a:fillRef>
+          <a:effectRef idx="0">
+            <a:schemeClr val="accent6"/>
+          </a:effectRef>
+          <a:fontRef idx="minor">
+            <a:schemeClr val="dk1"/>
+          </a:fontRef>
+        </p:style>
+        <p:txBody>
+          <a:bodyPr rtlCol="0" anchor="ctr"/>
+          <a:lstStyle/>
+          <a:p>
+            <a:pPr algn="ctr"/>
+            <a:endParaRPr lang="en-US">
+              <a:ln w="0"/>
+              <a:solidFill>
+                <a:schemeClr val="tx1"/>
+              </a:solidFill>
+              <a:effectLst>
+                <a:outerShdw blurRad="38100" dist="19050" dir="2700000" algn="tl" rotWithShape="0">
+                  <a:schemeClr val="dk1">
+                    <a:alpha val="40000"/>
+                  </a:schemeClr>
+                </a:outerShdw>
+              </a:effectLst>
+            </a:endParaRPr>
+          </a:p>
+        </p:txBody>
+      </p:sp>
+      <p:sp>
+        <p:nvSpPr>
+          <p:cNvPr id="65" name="Rounded Rectangle 64">
+            <a:extLst>
+              <a:ext uri="{FF2B5EF4-FFF2-40B4-BE49-F238E27FC236}">
+                <a16:creationId xmlns:a16="http://schemas.microsoft.com/office/drawing/2014/main" id="{3EF7FD7B-1E0E-9B93-6F01-D09DAF61B779}"/>
+              </a:ext>
+            </a:extLst>
+          </p:cNvPr>
+          <p:cNvSpPr/>
+          <p:nvPr/>
+        </p:nvSpPr>
+        <p:spPr>
+          <a:xfrm>
+            <a:off x="2550059" y="4247825"/>
+            <a:ext cx="6956153" cy="1398207"/>
+          </a:xfrm>
+          <a:prstGeom prst="roundRect">
+            <a:avLst/>
+          </a:prstGeom>
+          <a:ln>
+            <a:solidFill>
+              <a:schemeClr val="tx1"/>
+            </a:solidFill>
+          </a:ln>
+        </p:spPr>
+        <p:style>
+          <a:lnRef idx="2">
+            <a:schemeClr val="accent6"/>
+          </a:lnRef>
+          <a:fillRef idx="1">
+            <a:schemeClr val="lt1"/>
+          </a:fillRef>
+          <a:effectRef idx="0">
+            <a:schemeClr val="accent6"/>
+          </a:effectRef>
+          <a:fontRef idx="minor">
+            <a:schemeClr val="dk1"/>
+          </a:fontRef>
+        </p:style>
+        <p:txBody>
+          <a:bodyPr rtlCol="0" anchor="ctr"/>
+          <a:lstStyle/>
+          <a:p>
+            <a:pPr algn="ctr"/>
+            <a:endParaRPr lang="en-US">
+              <a:ln w="0"/>
+              <a:solidFill>
+                <a:schemeClr val="tx1"/>
+              </a:solidFill>
+              <a:effectLst>
+                <a:outerShdw blurRad="38100" dist="19050" dir="2700000" algn="tl" rotWithShape="0">
+                  <a:schemeClr val="dk1">
+                    <a:alpha val="40000"/>
+                  </a:schemeClr>
+                </a:outerShdw>
+              </a:effectLst>
+            </a:endParaRPr>
+          </a:p>
+        </p:txBody>
+      </p:sp>
+      <p:sp>
+        <p:nvSpPr>
+          <p:cNvPr id="4" name="Can 3">
+            <a:extLst>
+              <a:ext uri="{FF2B5EF4-FFF2-40B4-BE49-F238E27FC236}">
+                <a16:creationId xmlns:a16="http://schemas.microsoft.com/office/drawing/2014/main" id="{B511CEBE-EFEE-DB6A-6C01-5CCBE6B03AFA}"/>
+              </a:ext>
+            </a:extLst>
+          </p:cNvPr>
+          <p:cNvSpPr/>
+          <p:nvPr/>
+        </p:nvSpPr>
+        <p:spPr>
+          <a:xfrm>
+            <a:off x="2608597" y="981808"/>
             <a:ext cx="1099335" cy="1037833"/>
           </a:xfrm>
           <a:prstGeom prst="can">
@@ -3403,7 +3591,7 @@
                 <a:latin typeface="Times New Roman" panose="02020603050405020304" pitchFamily="18" charset="0"/>
                 <a:cs typeface="Times New Roman" panose="02020603050405020304" pitchFamily="18" charset="0"/>
               </a:rPr>
-              <a:t>38589 pre-miRNA seq. </a:t>
+              <a:t>(38589 pre-miRNA seq.) </a:t>
             </a:r>
           </a:p>
         </p:txBody>
@@ -3422,7 +3610,7 @@
         </p:nvSpPr>
         <p:spPr>
           <a:xfrm>
-            <a:off x="4649790" y="1638279"/>
+            <a:off x="4430846" y="1212875"/>
             <a:ext cx="1797978" cy="575353"/>
           </a:xfrm>
           <a:prstGeom prst="parallelogram">
@@ -3477,7 +3665,7 @@
         </p:nvSpPr>
         <p:spPr>
           <a:xfrm>
-            <a:off x="4972570" y="2803741"/>
+            <a:off x="2742712" y="2272458"/>
             <a:ext cx="1904144" cy="575353"/>
           </a:xfrm>
           <a:prstGeom prst="parallelogram">
@@ -3532,8 +3720,8 @@
         </p:nvSpPr>
         <p:spPr>
           <a:xfrm>
-            <a:off x="7051802" y="1458331"/>
-            <a:ext cx="2899026" cy="946935"/>
+            <a:off x="6575317" y="1034286"/>
+            <a:ext cx="2650643" cy="946935"/>
           </a:xfrm>
           <a:prstGeom prst="rect">
             <a:avLst/>
@@ -3603,7 +3791,7 @@
                 <a:latin typeface="Times New Roman" panose="02020603050405020304" pitchFamily="18" charset="0"/>
                 <a:cs typeface="Times New Roman" panose="02020603050405020304" pitchFamily="18" charset="0"/>
               </a:rPr>
-              <a:t>Base pair prob. seq.</a:t>
+              <a:t> Base pair prob. seq.  </a:t>
             </a:r>
           </a:p>
         </p:txBody>
@@ -3622,7 +3810,7 @@
         </p:nvSpPr>
         <p:spPr>
           <a:xfrm>
-            <a:off x="7549243" y="2803741"/>
+            <a:off x="6948566" y="2268897"/>
             <a:ext cx="1904144" cy="575353"/>
           </a:xfrm>
           <a:prstGeom prst="parallelogram">
@@ -3677,8 +3865,8 @@
         </p:nvSpPr>
         <p:spPr>
           <a:xfrm>
-            <a:off x="2435710" y="2848710"/>
-            <a:ext cx="1904144" cy="485416"/>
+            <a:off x="2945733" y="3461725"/>
+            <a:ext cx="1499172" cy="485416"/>
           </a:xfrm>
           <a:prstGeom prst="rect">
             <a:avLst/>
@@ -3713,7 +3901,7 @@
                 <a:latin typeface="Times New Roman" panose="02020603050405020304" pitchFamily="18" charset="0"/>
                 <a:cs typeface="Times New Roman" panose="02020603050405020304" pitchFamily="18" charset="0"/>
               </a:rPr>
-              <a:t>Time series transformation</a:t>
+              <a:t>Time series encoding</a:t>
             </a:r>
           </a:p>
         </p:txBody>
@@ -3732,7 +3920,7 @@
         </p:nvSpPr>
         <p:spPr>
           <a:xfrm>
-            <a:off x="2343671" y="3953104"/>
+            <a:off x="7513279" y="3419613"/>
             <a:ext cx="1904144" cy="575353"/>
           </a:xfrm>
           <a:prstGeom prst="parallelogram">
@@ -3787,7 +3975,7 @@
         </p:nvSpPr>
         <p:spPr>
           <a:xfrm>
-            <a:off x="4972570" y="4043003"/>
+            <a:off x="7559726" y="4858641"/>
             <a:ext cx="1811249" cy="395554"/>
           </a:xfrm>
           <a:prstGeom prst="rect">
@@ -3823,7 +4011,7 @@
                 <a:latin typeface="Times New Roman" panose="02020603050405020304" pitchFamily="18" charset="0"/>
                 <a:cs typeface="Times New Roman" panose="02020603050405020304" pitchFamily="18" charset="0"/>
               </a:rPr>
-              <a:t>Rocket based transformation</a:t>
+              <a:t>Time series transformation</a:t>
             </a:r>
           </a:p>
         </p:txBody>
@@ -3845,9 +4033,9 @@
           <p:nvPr/>
         </p:nvCxnSpPr>
         <p:spPr>
-          <a:xfrm>
-            <a:off x="3940017" y="1925954"/>
-            <a:ext cx="781692" cy="2"/>
+          <a:xfrm flipV="1">
+            <a:off x="3707932" y="1500552"/>
+            <a:ext cx="794833" cy="173"/>
           </a:xfrm>
           <a:prstGeom prst="straightConnector1">
             <a:avLst/>
@@ -3881,6 +4069,7 @@
             </a:extLst>
           </p:cNvPr>
           <p:cNvCxnSpPr>
+            <a:cxnSpLocks/>
             <a:stCxn id="6" idx="2"/>
             <a:endCxn id="8" idx="1"/>
           </p:cNvCxnSpPr>
@@ -3888,8 +4077,8 @@
         </p:nvCxnSpPr>
         <p:spPr>
           <a:xfrm>
-            <a:off x="6375849" y="1925956"/>
-            <a:ext cx="675953" cy="5843"/>
+            <a:off x="6156905" y="1500552"/>
+            <a:ext cx="418412" cy="7202"/>
           </a:xfrm>
           <a:prstGeom prst="straightConnector1">
             <a:avLst/>
@@ -3923,15 +4112,16 @@
             </a:extLst>
           </p:cNvPr>
           <p:cNvCxnSpPr>
+            <a:cxnSpLocks/>
             <a:stCxn id="8" idx="2"/>
             <a:endCxn id="9" idx="0"/>
           </p:cNvCxnSpPr>
           <p:nvPr/>
         </p:nvCxnSpPr>
         <p:spPr>
-          <a:xfrm>
-            <a:off x="8501315" y="2405266"/>
-            <a:ext cx="0" cy="398475"/>
+          <a:xfrm flipH="1">
+            <a:off x="7900638" y="1981221"/>
+            <a:ext cx="1" cy="287676"/>
           </a:xfrm>
           <a:prstGeom prst="straightConnector1">
             <a:avLst/>
@@ -3972,8 +4162,170 @@
         </p:nvCxnSpPr>
         <p:spPr>
           <a:xfrm flipH="1">
-            <a:off x="6804795" y="3091418"/>
-            <a:ext cx="816367" cy="0"/>
+            <a:off x="4574937" y="2556574"/>
+            <a:ext cx="2445548" cy="3561"/>
+          </a:xfrm>
+          <a:prstGeom prst="straightConnector1">
+            <a:avLst/>
+          </a:prstGeom>
+          <a:ln>
+            <a:tailEnd type="triangle"/>
+          </a:ln>
+        </p:spPr>
+        <p:style>
+          <a:lnRef idx="1">
+            <a:schemeClr val="dk1"/>
+          </a:lnRef>
+          <a:fillRef idx="0">
+            <a:schemeClr val="dk1"/>
+          </a:fillRef>
+          <a:effectRef idx="0">
+            <a:schemeClr val="dk1"/>
+          </a:effectRef>
+          <a:fontRef idx="minor">
+            <a:schemeClr val="tx1"/>
+          </a:fontRef>
+        </p:style>
+      </p:cxnSp>
+      <p:sp>
+        <p:nvSpPr>
+          <p:cNvPr id="31" name="Parallelogram 30">
+            <a:extLst>
+              <a:ext uri="{FF2B5EF4-FFF2-40B4-BE49-F238E27FC236}">
+                <a16:creationId xmlns:a16="http://schemas.microsoft.com/office/drawing/2014/main" id="{F94648D9-F864-68DB-82B1-10CD7F5E3003}"/>
+              </a:ext>
+            </a:extLst>
+          </p:cNvPr>
+          <p:cNvSpPr/>
+          <p:nvPr/>
+        </p:nvSpPr>
+        <p:spPr>
+          <a:xfrm>
+            <a:off x="4910599" y="4536608"/>
+            <a:ext cx="2248142" cy="1056954"/>
+          </a:xfrm>
+          <a:prstGeom prst="parallelogram">
+            <a:avLst/>
+          </a:prstGeom>
+          <a:ln>
+            <a:solidFill>
+              <a:schemeClr val="tx1"/>
+            </a:solidFill>
+          </a:ln>
+        </p:spPr>
+        <p:style>
+          <a:lnRef idx="2">
+            <a:schemeClr val="accent6"/>
+          </a:lnRef>
+          <a:fillRef idx="1">
+            <a:schemeClr val="lt1"/>
+          </a:fillRef>
+          <a:effectRef idx="0">
+            <a:schemeClr val="accent6"/>
+          </a:effectRef>
+          <a:fontRef idx="minor">
+            <a:schemeClr val="dk1"/>
+          </a:fontRef>
+        </p:style>
+        <p:txBody>
+          <a:bodyPr rtlCol="0" anchor="ctr"/>
+          <a:lstStyle/>
+          <a:p>
+            <a:pPr algn="ctr"/>
+            <a:r>
+              <a:rPr lang="en-US" sz="1300" dirty="0">
+                <a:latin typeface="Times New Roman" panose="02020603050405020304" pitchFamily="18" charset="0"/>
+                <a:cs typeface="Times New Roman" panose="02020603050405020304" pitchFamily="18" charset="0"/>
+              </a:rPr>
+              <a:t>3308 instances</a:t>
+            </a:r>
+          </a:p>
+          <a:p>
+            <a:pPr algn="ctr"/>
+            <a:r>
+              <a:rPr lang="en-US" sz="1300" dirty="0">
+                <a:latin typeface="Times New Roman" panose="02020603050405020304" pitchFamily="18" charset="0"/>
+                <a:cs typeface="Times New Roman" panose="02020603050405020304" pitchFamily="18" charset="0"/>
+              </a:rPr>
+              <a:t>(Each has about 1000~50000 features depending on the transformation used.)</a:t>
+            </a:r>
+          </a:p>
+        </p:txBody>
+      </p:sp>
+      <p:sp>
+        <p:nvSpPr>
+          <p:cNvPr id="32" name="Rectangle 31">
+            <a:extLst>
+              <a:ext uri="{FF2B5EF4-FFF2-40B4-BE49-F238E27FC236}">
+                <a16:creationId xmlns:a16="http://schemas.microsoft.com/office/drawing/2014/main" id="{A211B2CD-3974-93C0-522A-1F199D55293B}"/>
+              </a:ext>
+            </a:extLst>
+          </p:cNvPr>
+          <p:cNvSpPr/>
+          <p:nvPr/>
+        </p:nvSpPr>
+        <p:spPr>
+          <a:xfrm>
+            <a:off x="2727785" y="4866484"/>
+            <a:ext cx="1158462" cy="395554"/>
+          </a:xfrm>
+          <a:prstGeom prst="rect">
+            <a:avLst/>
+          </a:prstGeom>
+          <a:ln>
+            <a:solidFill>
+              <a:schemeClr val="tx1"/>
+            </a:solidFill>
+          </a:ln>
+        </p:spPr>
+        <p:style>
+          <a:lnRef idx="2">
+            <a:schemeClr val="accent6"/>
+          </a:lnRef>
+          <a:fillRef idx="1">
+            <a:schemeClr val="lt1"/>
+          </a:fillRef>
+          <a:effectRef idx="0">
+            <a:schemeClr val="accent6"/>
+          </a:effectRef>
+          <a:fontRef idx="minor">
+            <a:schemeClr val="dk1"/>
+          </a:fontRef>
+        </p:style>
+        <p:txBody>
+          <a:bodyPr rtlCol="0" anchor="ctr"/>
+          <a:lstStyle/>
+          <a:p>
+            <a:pPr algn="ctr"/>
+            <a:r>
+              <a:rPr lang="en-US" sz="1300" dirty="0">
+                <a:latin typeface="Times New Roman" panose="02020603050405020304" pitchFamily="18" charset="0"/>
+                <a:cs typeface="Times New Roman" panose="02020603050405020304" pitchFamily="18" charset="0"/>
+              </a:rPr>
+              <a:t>Classifier</a:t>
+            </a:r>
+          </a:p>
+        </p:txBody>
+      </p:sp>
+      <p:cxnSp>
+        <p:nvCxnSpPr>
+          <p:cNvPr id="58" name="Straight Arrow Connector 57">
+            <a:extLst>
+              <a:ext uri="{FF2B5EF4-FFF2-40B4-BE49-F238E27FC236}">
+                <a16:creationId xmlns:a16="http://schemas.microsoft.com/office/drawing/2014/main" id="{583A4951-6655-FD76-F308-BC433636C549}"/>
+              </a:ext>
+            </a:extLst>
+          </p:cNvPr>
+          <p:cNvCxnSpPr>
+            <a:stCxn id="12" idx="1"/>
+            <a:endCxn id="31" idx="2"/>
+          </p:cNvCxnSpPr>
+          <p:nvPr/>
+        </p:nvCxnSpPr>
+        <p:spPr>
+          <a:xfrm flipH="1">
+            <a:off x="7026622" y="5056418"/>
+            <a:ext cx="533104" cy="8667"/>
           </a:xfrm>
           <a:prstGeom prst="straightConnector1">
             <a:avLst/>
@@ -3999,23 +4351,23 @@
       </p:cxnSp>
       <p:cxnSp>
         <p:nvCxnSpPr>
-          <p:cNvPr id="26" name="Straight Arrow Connector 25">
-            <a:extLst>
-              <a:ext uri="{FF2B5EF4-FFF2-40B4-BE49-F238E27FC236}">
-                <a16:creationId xmlns:a16="http://schemas.microsoft.com/office/drawing/2014/main" id="{9AD0300F-8043-ED6E-1B50-A4D0692DFDC7}"/>
+          <p:cNvPr id="61" name="Straight Arrow Connector 60" descr="cvxcv">
+            <a:extLst>
+              <a:ext uri="{FF2B5EF4-FFF2-40B4-BE49-F238E27FC236}">
+                <a16:creationId xmlns:a16="http://schemas.microsoft.com/office/drawing/2014/main" id="{15DE2550-5970-5598-62D2-67C8266B0B7C}"/>
               </a:ext>
             </a:extLst>
           </p:cNvPr>
           <p:cNvCxnSpPr>
-            <a:stCxn id="7" idx="5"/>
-            <a:endCxn id="10" idx="3"/>
+            <a:stCxn id="31" idx="5"/>
+            <a:endCxn id="32" idx="3"/>
           </p:cNvCxnSpPr>
           <p:nvPr/>
         </p:nvCxnSpPr>
         <p:spPr>
-          <a:xfrm flipH="1">
-            <a:off x="4339854" y="3091418"/>
-            <a:ext cx="704635" cy="0"/>
+          <a:xfrm flipH="1" flipV="1">
+            <a:off x="3886247" y="5064261"/>
+            <a:ext cx="1156471" cy="824"/>
           </a:xfrm>
           <a:prstGeom prst="straightConnector1">
             <a:avLst/>
@@ -4039,25 +4391,63 @@
           </a:fontRef>
         </p:style>
       </p:cxnSp>
+      <p:sp>
+        <p:nvSpPr>
+          <p:cNvPr id="64" name="TextBox 63">
+            <a:extLst>
+              <a:ext uri="{FF2B5EF4-FFF2-40B4-BE49-F238E27FC236}">
+                <a16:creationId xmlns:a16="http://schemas.microsoft.com/office/drawing/2014/main" id="{F3329279-B569-95BF-2E5C-64CD8B7377DD}"/>
+              </a:ext>
+            </a:extLst>
+          </p:cNvPr>
+          <p:cNvSpPr txBox="1"/>
+          <p:nvPr/>
+        </p:nvSpPr>
+        <p:spPr>
+          <a:xfrm>
+            <a:off x="4090646" y="4598067"/>
+            <a:ext cx="1063327" cy="492443"/>
+          </a:xfrm>
+          <a:prstGeom prst="rect">
+            <a:avLst/>
+          </a:prstGeom>
+          <a:noFill/>
+        </p:spPr>
+        <p:txBody>
+          <a:bodyPr wrap="square" rtlCol="0">
+            <a:spAutoFit/>
+          </a:bodyPr>
+          <a:lstStyle/>
+          <a:p>
+            <a:r>
+              <a:rPr lang="en-US" sz="1300" dirty="0">
+                <a:latin typeface="Times New Roman" panose="02020603050405020304" pitchFamily="18" charset="0"/>
+                <a:cs typeface="Times New Roman" panose="02020603050405020304" pitchFamily="18" charset="0"/>
+              </a:rPr>
+              <a:t>5-fold cross-validation</a:t>
+            </a:r>
+          </a:p>
+        </p:txBody>
+      </p:sp>
       <p:cxnSp>
         <p:nvCxnSpPr>
-          <p:cNvPr id="28" name="Straight Arrow Connector 27">
-            <a:extLst>
-              <a:ext uri="{FF2B5EF4-FFF2-40B4-BE49-F238E27FC236}">
-                <a16:creationId xmlns:a16="http://schemas.microsoft.com/office/drawing/2014/main" id="{4335D8C4-E676-872B-9A78-8EE1F666A0DD}"/>
+          <p:cNvPr id="67" name="Straight Arrow Connector 66">
+            <a:extLst>
+              <a:ext uri="{FF2B5EF4-FFF2-40B4-BE49-F238E27FC236}">
+                <a16:creationId xmlns:a16="http://schemas.microsoft.com/office/drawing/2014/main" id="{4A297D19-8A2D-DC00-830C-F74A410483D1}"/>
               </a:ext>
             </a:extLst>
           </p:cNvPr>
           <p:cNvCxnSpPr>
-            <a:stCxn id="10" idx="2"/>
-            <a:endCxn id="11" idx="1"/>
+            <a:stCxn id="10" idx="3"/>
+            <a:endCxn id="11" idx="5"/>
           </p:cNvCxnSpPr>
           <p:nvPr/>
         </p:nvCxnSpPr>
         <p:spPr>
-          <a:xfrm flipH="1">
-            <a:off x="3367662" y="3334126"/>
-            <a:ext cx="20120" cy="618978"/>
+          <a:xfrm>
+            <a:off x="4444905" y="3704433"/>
+            <a:ext cx="3140293" cy="2857"/>
           </a:xfrm>
           <a:prstGeom prst="straightConnector1">
             <a:avLst/>
@@ -4083,88 +4473,61 @@
       </p:cxnSp>
       <p:sp>
         <p:nvSpPr>
-          <p:cNvPr id="31" name="Parallelogram 30">
-            <a:extLst>
-              <a:ext uri="{FF2B5EF4-FFF2-40B4-BE49-F238E27FC236}">
-                <a16:creationId xmlns:a16="http://schemas.microsoft.com/office/drawing/2014/main" id="{F94648D9-F864-68DB-82B1-10CD7F5E3003}"/>
-              </a:ext>
-            </a:extLst>
-          </p:cNvPr>
-          <p:cNvSpPr/>
+          <p:cNvPr id="74" name="TextBox 73">
+            <a:extLst>
+              <a:ext uri="{FF2B5EF4-FFF2-40B4-BE49-F238E27FC236}">
+                <a16:creationId xmlns:a16="http://schemas.microsoft.com/office/drawing/2014/main" id="{38097E49-226A-6157-643C-4DEC7D709B42}"/>
+              </a:ext>
+            </a:extLst>
+          </p:cNvPr>
+          <p:cNvSpPr txBox="1"/>
           <p:nvPr/>
         </p:nvSpPr>
         <p:spPr>
           <a:xfrm>
-            <a:off x="7324068" y="3950535"/>
-            <a:ext cx="2323954" cy="575353"/>
+            <a:off x="5153973" y="3984301"/>
+            <a:ext cx="1930336" cy="292388"/>
           </a:xfrm>
-          <a:prstGeom prst="parallelogram">
+          <a:prstGeom prst="rect">
             <a:avLst/>
           </a:prstGeom>
-          <a:ln>
-            <a:solidFill>
-              <a:schemeClr val="tx1"/>
-            </a:solidFill>
-          </a:ln>
+          <a:noFill/>
         </p:spPr>
-        <p:style>
-          <a:lnRef idx="2">
-            <a:schemeClr val="accent6"/>
-          </a:lnRef>
-          <a:fillRef idx="1">
-            <a:schemeClr val="lt1"/>
-          </a:fillRef>
-          <a:effectRef idx="0">
-            <a:schemeClr val="accent6"/>
-          </a:effectRef>
-          <a:fontRef idx="minor">
-            <a:schemeClr val="dk1"/>
-          </a:fontRef>
-        </p:style>
-        <p:txBody>
-          <a:bodyPr rtlCol="0" anchor="ctr"/>
-          <a:lstStyle/>
-          <a:p>
-            <a:pPr algn="ctr"/>
+        <p:txBody>
+          <a:bodyPr wrap="square" rtlCol="0">
+            <a:spAutoFit/>
+          </a:bodyPr>
+          <a:lstStyle/>
+          <a:p>
             <a:r>
               <a:rPr lang="en-US" sz="1300" dirty="0">
                 <a:latin typeface="Times New Roman" panose="02020603050405020304" pitchFamily="18" charset="0"/>
                 <a:cs typeface="Times New Roman" panose="02020603050405020304" pitchFamily="18" charset="0"/>
               </a:rPr>
-              <a:t>3308 instances</a:t>
-            </a:r>
-          </a:p>
-          <a:p>
-            <a:pPr algn="ctr"/>
-            <a:r>
-              <a:rPr lang="en-US" sz="1300" dirty="0">
-                <a:latin typeface="Times New Roman" panose="02020603050405020304" pitchFamily="18" charset="0"/>
-                <a:cs typeface="Times New Roman" panose="02020603050405020304" pitchFamily="18" charset="0"/>
-              </a:rPr>
-              <a:t>Each has 2k~5k features </a:t>
+              <a:t>Rocket-based Classifier</a:t>
             </a:r>
           </a:p>
         </p:txBody>
       </p:sp>
       <p:cxnSp>
         <p:nvCxnSpPr>
-          <p:cNvPr id="33" name="Straight Arrow Connector 32">
-            <a:extLst>
-              <a:ext uri="{FF2B5EF4-FFF2-40B4-BE49-F238E27FC236}">
-                <a16:creationId xmlns:a16="http://schemas.microsoft.com/office/drawing/2014/main" id="{4B904CB5-52CB-90EE-9473-85C22A153CF8}"/>
+          <p:cNvPr id="78" name="Straight Arrow Connector 77">
+            <a:extLst>
+              <a:ext uri="{FF2B5EF4-FFF2-40B4-BE49-F238E27FC236}">
+                <a16:creationId xmlns:a16="http://schemas.microsoft.com/office/drawing/2014/main" id="{2B780245-31EC-5356-2027-05F493F0F28F}"/>
               </a:ext>
             </a:extLst>
           </p:cNvPr>
           <p:cNvCxnSpPr>
-            <a:stCxn id="11" idx="2"/>
-            <a:endCxn id="12" idx="1"/>
+            <a:stCxn id="11" idx="4"/>
+            <a:endCxn id="12" idx="0"/>
           </p:cNvCxnSpPr>
           <p:nvPr/>
         </p:nvCxnSpPr>
         <p:spPr>
-          <a:xfrm flipV="1">
-            <a:off x="4175896" y="4240780"/>
-            <a:ext cx="796674" cy="1"/>
+          <a:xfrm>
+            <a:off x="8465351" y="3994966"/>
+            <a:ext cx="0" cy="863675"/>
           </a:xfrm>
           <a:prstGeom prst="straightConnector1">
             <a:avLst/>
@@ -4188,26 +4551,67 @@
           </a:fontRef>
         </p:style>
       </p:cxnSp>
+      <p:sp>
+        <p:nvSpPr>
+          <p:cNvPr id="82" name="TextBox 81">
+            <a:extLst>
+              <a:ext uri="{FF2B5EF4-FFF2-40B4-BE49-F238E27FC236}">
+                <a16:creationId xmlns:a16="http://schemas.microsoft.com/office/drawing/2014/main" id="{0A4D83CF-BFD5-D639-074C-C6CD4EA2E2A9}"/>
+              </a:ext>
+            </a:extLst>
+          </p:cNvPr>
+          <p:cNvSpPr txBox="1"/>
+          <p:nvPr/>
+        </p:nvSpPr>
+        <p:spPr>
+          <a:xfrm>
+            <a:off x="5514537" y="2942193"/>
+            <a:ext cx="1068140" cy="292388"/>
+          </a:xfrm>
+          <a:prstGeom prst="rect">
+            <a:avLst/>
+          </a:prstGeom>
+          <a:noFill/>
+        </p:spPr>
+        <p:txBody>
+          <a:bodyPr wrap="square" rtlCol="0">
+            <a:spAutoFit/>
+          </a:bodyPr>
+          <a:lstStyle/>
+          <a:p>
+            <a:r>
+              <a:rPr lang="en-US" sz="1300" dirty="0" err="1">
+                <a:latin typeface="Times New Roman" panose="02020603050405020304" pitchFamily="18" charset="0"/>
+                <a:cs typeface="Times New Roman" panose="02020603050405020304" pitchFamily="18" charset="0"/>
+              </a:rPr>
+              <a:t>MTSCCleav</a:t>
+            </a:r>
+            <a:endParaRPr lang="en-US" sz="1300" dirty="0">
+              <a:latin typeface="Times New Roman" panose="02020603050405020304" pitchFamily="18" charset="0"/>
+              <a:cs typeface="Times New Roman" panose="02020603050405020304" pitchFamily="18" charset="0"/>
+            </a:endParaRPr>
+          </a:p>
+        </p:txBody>
+      </p:sp>
       <p:cxnSp>
         <p:nvCxnSpPr>
-          <p:cNvPr id="35" name="Straight Arrow Connector 34">
-            <a:extLst>
-              <a:ext uri="{FF2B5EF4-FFF2-40B4-BE49-F238E27FC236}">
-                <a16:creationId xmlns:a16="http://schemas.microsoft.com/office/drawing/2014/main" id="{8874E1F8-91E1-E06B-2BC8-645FCC3CDC8E}"/>
+          <p:cNvPr id="109" name="Straight Arrow Connector 108">
+            <a:extLst>
+              <a:ext uri="{FF2B5EF4-FFF2-40B4-BE49-F238E27FC236}">
+                <a16:creationId xmlns:a16="http://schemas.microsoft.com/office/drawing/2014/main" id="{49C0EA21-B25B-C538-B1A5-46293FAB08CD}"/>
               </a:ext>
             </a:extLst>
           </p:cNvPr>
           <p:cNvCxnSpPr>
-            <a:cxnSpLocks/>
-            <a:stCxn id="12" idx="3"/>
-            <a:endCxn id="31" idx="5"/>
+            <a:stCxn id="7" idx="4"/>
+            <a:endCxn id="10" idx="0"/>
           </p:cNvCxnSpPr>
           <p:nvPr/>
         </p:nvCxnSpPr>
         <p:spPr>
-          <a:xfrm flipV="1">
-            <a:off x="6783819" y="4238212"/>
-            <a:ext cx="612168" cy="2568"/>
+          <a:xfrm>
+            <a:off x="3694784" y="2847811"/>
+            <a:ext cx="535" cy="613914"/>
           </a:xfrm>
           <a:prstGeom prst="straightConnector1">
             <a:avLst/>
@@ -4231,6 +4635,44 @@
           </a:fontRef>
         </p:style>
       </p:cxnSp>
+      <p:sp>
+        <p:nvSpPr>
+          <p:cNvPr id="111" name="TextBox 110">
+            <a:extLst>
+              <a:ext uri="{FF2B5EF4-FFF2-40B4-BE49-F238E27FC236}">
+                <a16:creationId xmlns:a16="http://schemas.microsoft.com/office/drawing/2014/main" id="{1B17B8CE-7BD6-8124-57B9-FE3752A1FA8B}"/>
+              </a:ext>
+            </a:extLst>
+          </p:cNvPr>
+          <p:cNvSpPr txBox="1"/>
+          <p:nvPr/>
+        </p:nvSpPr>
+        <p:spPr>
+          <a:xfrm>
+            <a:off x="5254858" y="586139"/>
+            <a:ext cx="1381700" cy="292388"/>
+          </a:xfrm>
+          <a:prstGeom prst="rect">
+            <a:avLst/>
+          </a:prstGeom>
+          <a:noFill/>
+        </p:spPr>
+        <p:txBody>
+          <a:bodyPr wrap="square" rtlCol="0">
+            <a:spAutoFit/>
+          </a:bodyPr>
+          <a:lstStyle/>
+          <a:p>
+            <a:r>
+              <a:rPr lang="en-US" sz="1300" dirty="0">
+                <a:latin typeface="Times New Roman" panose="02020603050405020304" pitchFamily="18" charset="0"/>
+                <a:cs typeface="Times New Roman" panose="02020603050405020304" pitchFamily="18" charset="0"/>
+              </a:rPr>
+              <a:t>Data preparation</a:t>
+            </a:r>
+          </a:p>
+        </p:txBody>
+      </p:sp>
     </p:spTree>
     <p:extLst>
       <p:ext uri="{BB962C8B-B14F-4D97-AF65-F5344CB8AC3E}">

--- a/figures/pipeline.pptx
+++ b/figures/pipeline.pptx
@@ -261,7 +261,7 @@
           <a:p>
             <a:fld id="{A58880D0-7615-CC43-90E0-CEA9FA60AA1F}" type="datetimeFigureOut">
               <a:rPr lang="en-US" smtClean="0"/>
-              <a:t>7/9/25</a:t>
+              <a:t>7/15/25</a:t>
             </a:fld>
             <a:endParaRPr lang="en-US"/>
           </a:p>
@@ -461,7 +461,7 @@
           <a:p>
             <a:fld id="{A58880D0-7615-CC43-90E0-CEA9FA60AA1F}" type="datetimeFigureOut">
               <a:rPr lang="en-US" smtClean="0"/>
-              <a:t>7/9/25</a:t>
+              <a:t>7/15/25</a:t>
             </a:fld>
             <a:endParaRPr lang="en-US"/>
           </a:p>
@@ -671,7 +671,7 @@
           <a:p>
             <a:fld id="{A58880D0-7615-CC43-90E0-CEA9FA60AA1F}" type="datetimeFigureOut">
               <a:rPr lang="en-US" smtClean="0"/>
-              <a:t>7/9/25</a:t>
+              <a:t>7/15/25</a:t>
             </a:fld>
             <a:endParaRPr lang="en-US"/>
           </a:p>
@@ -871,7 +871,7 @@
           <a:p>
             <a:fld id="{A58880D0-7615-CC43-90E0-CEA9FA60AA1F}" type="datetimeFigureOut">
               <a:rPr lang="en-US" smtClean="0"/>
-              <a:t>7/9/25</a:t>
+              <a:t>7/15/25</a:t>
             </a:fld>
             <a:endParaRPr lang="en-US"/>
           </a:p>
@@ -1147,7 +1147,7 @@
           <a:p>
             <a:fld id="{A58880D0-7615-CC43-90E0-CEA9FA60AA1F}" type="datetimeFigureOut">
               <a:rPr lang="en-US" smtClean="0"/>
-              <a:t>7/9/25</a:t>
+              <a:t>7/15/25</a:t>
             </a:fld>
             <a:endParaRPr lang="en-US"/>
           </a:p>
@@ -1415,7 +1415,7 @@
           <a:p>
             <a:fld id="{A58880D0-7615-CC43-90E0-CEA9FA60AA1F}" type="datetimeFigureOut">
               <a:rPr lang="en-US" smtClean="0"/>
-              <a:t>7/9/25</a:t>
+              <a:t>7/15/25</a:t>
             </a:fld>
             <a:endParaRPr lang="en-US"/>
           </a:p>
@@ -1830,7 +1830,7 @@
           <a:p>
             <a:fld id="{A58880D0-7615-CC43-90E0-CEA9FA60AA1F}" type="datetimeFigureOut">
               <a:rPr lang="en-US" smtClean="0"/>
-              <a:t>7/9/25</a:t>
+              <a:t>7/15/25</a:t>
             </a:fld>
             <a:endParaRPr lang="en-US"/>
           </a:p>
@@ -1972,7 +1972,7 @@
           <a:p>
             <a:fld id="{A58880D0-7615-CC43-90E0-CEA9FA60AA1F}" type="datetimeFigureOut">
               <a:rPr lang="en-US" smtClean="0"/>
-              <a:t>7/9/25</a:t>
+              <a:t>7/15/25</a:t>
             </a:fld>
             <a:endParaRPr lang="en-US"/>
           </a:p>
@@ -2085,7 +2085,7 @@
           <a:p>
             <a:fld id="{A58880D0-7615-CC43-90E0-CEA9FA60AA1F}" type="datetimeFigureOut">
               <a:rPr lang="en-US" smtClean="0"/>
-              <a:t>7/9/25</a:t>
+              <a:t>7/15/25</a:t>
             </a:fld>
             <a:endParaRPr lang="en-US"/>
           </a:p>
@@ -2398,7 +2398,7 @@
           <a:p>
             <a:fld id="{A58880D0-7615-CC43-90E0-CEA9FA60AA1F}" type="datetimeFigureOut">
               <a:rPr lang="en-US" smtClean="0"/>
-              <a:t>7/9/25</a:t>
+              <a:t>7/15/25</a:t>
             </a:fld>
             <a:endParaRPr lang="en-US"/>
           </a:p>
@@ -2687,7 +2687,7 @@
           <a:p>
             <a:fld id="{A58880D0-7615-CC43-90E0-CEA9FA60AA1F}" type="datetimeFigureOut">
               <a:rPr lang="en-US" smtClean="0"/>
-              <a:t>7/9/25</a:t>
+              <a:t>7/15/25</a:t>
             </a:fld>
             <a:endParaRPr lang="en-US"/>
           </a:p>
@@ -2930,7 +2930,7 @@
           <a:p>
             <a:fld id="{A58880D0-7615-CC43-90E0-CEA9FA60AA1F}" type="datetimeFigureOut">
               <a:rPr lang="en-US" smtClean="0"/>
-              <a:t>7/9/25</a:t>
+              <a:t>7/15/25</a:t>
             </a:fld>
             <a:endParaRPr lang="en-US"/>
           </a:p>
@@ -3591,7 +3591,7 @@
                 <a:latin typeface="Times New Roman" panose="02020603050405020304" pitchFamily="18" charset="0"/>
                 <a:cs typeface="Times New Roman" panose="02020603050405020304" pitchFamily="18" charset="0"/>
               </a:rPr>
-              <a:t>(38589 pre-miRNA seq.) </a:t>
+              <a:t>(38,589 pre-miRNA seq.) </a:t>
             </a:r>
           </a:p>
         </p:txBody>
@@ -3956,7 +3956,7 @@
                 <a:latin typeface="Times New Roman" panose="02020603050405020304" pitchFamily="18" charset="0"/>
                 <a:cs typeface="Times New Roman" panose="02020603050405020304" pitchFamily="18" charset="0"/>
               </a:rPr>
-              <a:t>3308 multivariate time series</a:t>
+              <a:t>3,308 multivariate time series</a:t>
             </a:r>
           </a:p>
         </p:txBody>
@@ -4201,8 +4201,8 @@
         </p:nvSpPr>
         <p:spPr>
           <a:xfrm>
-            <a:off x="4910599" y="4536608"/>
-            <a:ext cx="2248142" cy="1056954"/>
+            <a:off x="4910598" y="4536608"/>
+            <a:ext cx="2287025" cy="1056954"/>
           </a:xfrm>
           <a:prstGeom prst="parallelogram">
             <a:avLst/>
@@ -4237,7 +4237,7 @@
                 <a:latin typeface="Times New Roman" panose="02020603050405020304" pitchFamily="18" charset="0"/>
                 <a:cs typeface="Times New Roman" panose="02020603050405020304" pitchFamily="18" charset="0"/>
               </a:rPr>
-              <a:t>3308 instances</a:t>
+              <a:t>3,308 instances</a:t>
             </a:r>
           </a:p>
           <a:p>
@@ -4247,7 +4247,7 @@
                 <a:latin typeface="Times New Roman" panose="02020603050405020304" pitchFamily="18" charset="0"/>
                 <a:cs typeface="Times New Roman" panose="02020603050405020304" pitchFamily="18" charset="0"/>
               </a:rPr>
-              <a:t>(Each has about 1000~50000 features depending on the transformation used.)</a:t>
+              <a:t>(Each has about 1,000~50,000 features depending on the transformation used.)</a:t>
             </a:r>
           </a:p>
         </p:txBody>
@@ -4317,6 +4317,7 @@
             </a:extLst>
           </p:cNvPr>
           <p:cNvCxnSpPr>
+            <a:cxnSpLocks/>
             <a:stCxn id="12" idx="1"/>
             <a:endCxn id="31" idx="2"/>
           </p:cNvCxnSpPr>
@@ -4324,8 +4325,8 @@
         </p:nvCxnSpPr>
         <p:spPr>
           <a:xfrm flipH="1">
-            <a:off x="7026622" y="5056418"/>
-            <a:ext cx="533104" cy="8667"/>
+            <a:off x="7065504" y="5056418"/>
+            <a:ext cx="494222" cy="8667"/>
           </a:xfrm>
           <a:prstGeom prst="straightConnector1">
             <a:avLst/>
@@ -4359,6 +4360,7 @@
             </a:extLst>
           </p:cNvPr>
           <p:cNvCxnSpPr>
+            <a:cxnSpLocks/>
             <a:stCxn id="31" idx="5"/>
             <a:endCxn id="32" idx="3"/>
           </p:cNvCxnSpPr>
@@ -4367,7 +4369,7 @@
         <p:spPr>
           <a:xfrm flipH="1" flipV="1">
             <a:off x="3886247" y="5064261"/>
-            <a:ext cx="1156471" cy="824"/>
+            <a:ext cx="1156470" cy="824"/>
           </a:xfrm>
           <a:prstGeom prst="straightConnector1">
             <a:avLst/>
